--- a/Textbook/Figures/Chapter1/fig_closed_surface.pptx
+++ b/Textbook/Figures/Chapter1/fig_closed_surface.pptx
@@ -243,7 +243,7 @@
           <a:p>
             <a:fld id="{A8F48D5B-9275-4A08-B238-9C7CECCD580A}" type="datetimeFigureOut">
               <a:rPr lang="en-US" smtClean="0"/>
-              <a:t>5/19/2022</a:t>
+              <a:t>8/3/2022</a:t>
             </a:fld>
             <a:endParaRPr lang="en-US"/>
           </a:p>
@@ -413,7 +413,7 @@
           <a:p>
             <a:fld id="{A8F48D5B-9275-4A08-B238-9C7CECCD580A}" type="datetimeFigureOut">
               <a:rPr lang="en-US" smtClean="0"/>
-              <a:t>5/19/2022</a:t>
+              <a:t>8/3/2022</a:t>
             </a:fld>
             <a:endParaRPr lang="en-US"/>
           </a:p>
@@ -593,7 +593,7 @@
           <a:p>
             <a:fld id="{A8F48D5B-9275-4A08-B238-9C7CECCD580A}" type="datetimeFigureOut">
               <a:rPr lang="en-US" smtClean="0"/>
-              <a:t>5/19/2022</a:t>
+              <a:t>8/3/2022</a:t>
             </a:fld>
             <a:endParaRPr lang="en-US"/>
           </a:p>
@@ -763,7 +763,7 @@
           <a:p>
             <a:fld id="{A8F48D5B-9275-4A08-B238-9C7CECCD580A}" type="datetimeFigureOut">
               <a:rPr lang="en-US" smtClean="0"/>
-              <a:t>5/19/2022</a:t>
+              <a:t>8/3/2022</a:t>
             </a:fld>
             <a:endParaRPr lang="en-US"/>
           </a:p>
@@ -1007,7 +1007,7 @@
           <a:p>
             <a:fld id="{A8F48D5B-9275-4A08-B238-9C7CECCD580A}" type="datetimeFigureOut">
               <a:rPr lang="en-US" smtClean="0"/>
-              <a:t>5/19/2022</a:t>
+              <a:t>8/3/2022</a:t>
             </a:fld>
             <a:endParaRPr lang="en-US"/>
           </a:p>
@@ -1239,7 +1239,7 @@
           <a:p>
             <a:fld id="{A8F48D5B-9275-4A08-B238-9C7CECCD580A}" type="datetimeFigureOut">
               <a:rPr lang="en-US" smtClean="0"/>
-              <a:t>5/19/2022</a:t>
+              <a:t>8/3/2022</a:t>
             </a:fld>
             <a:endParaRPr lang="en-US"/>
           </a:p>
@@ -1606,7 +1606,7 @@
           <a:p>
             <a:fld id="{A8F48D5B-9275-4A08-B238-9C7CECCD580A}" type="datetimeFigureOut">
               <a:rPr lang="en-US" smtClean="0"/>
-              <a:t>5/19/2022</a:t>
+              <a:t>8/3/2022</a:t>
             </a:fld>
             <a:endParaRPr lang="en-US"/>
           </a:p>
@@ -1724,7 +1724,7 @@
           <a:p>
             <a:fld id="{A8F48D5B-9275-4A08-B238-9C7CECCD580A}" type="datetimeFigureOut">
               <a:rPr lang="en-US" smtClean="0"/>
-              <a:t>5/19/2022</a:t>
+              <a:t>8/3/2022</a:t>
             </a:fld>
             <a:endParaRPr lang="en-US"/>
           </a:p>
@@ -1819,7 +1819,7 @@
           <a:p>
             <a:fld id="{A8F48D5B-9275-4A08-B238-9C7CECCD580A}" type="datetimeFigureOut">
               <a:rPr lang="en-US" smtClean="0"/>
-              <a:t>5/19/2022</a:t>
+              <a:t>8/3/2022</a:t>
             </a:fld>
             <a:endParaRPr lang="en-US"/>
           </a:p>
@@ -2096,7 +2096,7 @@
           <a:p>
             <a:fld id="{A8F48D5B-9275-4A08-B238-9C7CECCD580A}" type="datetimeFigureOut">
               <a:rPr lang="en-US" smtClean="0"/>
-              <a:t>5/19/2022</a:t>
+              <a:t>8/3/2022</a:t>
             </a:fld>
             <a:endParaRPr lang="en-US"/>
           </a:p>
@@ -2353,7 +2353,7 @@
           <a:p>
             <a:fld id="{A8F48D5B-9275-4A08-B238-9C7CECCD580A}" type="datetimeFigureOut">
               <a:rPr lang="en-US" smtClean="0"/>
-              <a:t>5/19/2022</a:t>
+              <a:t>8/3/2022</a:t>
             </a:fld>
             <a:endParaRPr lang="en-US"/>
           </a:p>
@@ -2566,7 +2566,7 @@
           <a:p>
             <a:fld id="{A8F48D5B-9275-4A08-B238-9C7CECCD580A}" type="datetimeFigureOut">
               <a:rPr lang="en-US" smtClean="0"/>
-              <a:t>5/19/2022</a:t>
+              <a:t>8/3/2022</a:t>
             </a:fld>
             <a:endParaRPr lang="en-US"/>
           </a:p>
@@ -2994,12 +2994,12 @@
           <a:lstStyle/>
           <a:p>
             <a:r>
-              <a:rPr lang="en-US" i="1" dirty="0" err="1">
+              <a:rPr lang="en-US" i="1" dirty="0">
                 <a:latin typeface="Libertinus Serif" pitchFamily="50" charset="0"/>
                 <a:ea typeface="Libertinus Serif" pitchFamily="50" charset="0"/>
                 <a:cs typeface="Libertinus Serif" pitchFamily="50" charset="0"/>
               </a:rPr>
-              <a:t>dS</a:t>
+              <a:t>da</a:t>
             </a:r>
             <a:endParaRPr lang="en-US" sz="4000" i="1" dirty="0">
               <a:latin typeface="Libertinus Serif" pitchFamily="50" charset="0"/>
